--- a/区块链.pptx
+++ b/区块链.pptx
@@ -10,6 +10,9 @@
     <p:sldId id="258" r:id="rId4"/>
     <p:sldId id="259" r:id="rId5"/>
     <p:sldId id="260" r:id="rId6"/>
+    <p:sldId id="261" r:id="rId7"/>
+    <p:sldId id="262" r:id="rId8"/>
+    <p:sldId id="263" r:id="rId9"/>
   </p:sldIdLst>
   <p:sldSz cx="12192000" cy="6858000"/>
   <p:notesSz cx="6858000" cy="9144000"/>
@@ -247,7 +250,7 @@
           <a:p>
             <a:fld id="{3D932DE8-77F5-40C0-A991-CDEB8A70D86E}" type="datetimeFigureOut">
               <a:rPr lang="zh-CN" altLang="en-US" smtClean="0"/>
-              <a:t>2018/3/9</a:t>
+              <a:t>2018/6/19</a:t>
             </a:fld>
             <a:endParaRPr lang="zh-CN" altLang="en-US"/>
           </a:p>
@@ -417,7 +420,7 @@
           <a:p>
             <a:fld id="{3D932DE8-77F5-40C0-A991-CDEB8A70D86E}" type="datetimeFigureOut">
               <a:rPr lang="zh-CN" altLang="en-US" smtClean="0"/>
-              <a:t>2018/3/9</a:t>
+              <a:t>2018/6/19</a:t>
             </a:fld>
             <a:endParaRPr lang="zh-CN" altLang="en-US"/>
           </a:p>
@@ -597,7 +600,7 @@
           <a:p>
             <a:fld id="{3D932DE8-77F5-40C0-A991-CDEB8A70D86E}" type="datetimeFigureOut">
               <a:rPr lang="zh-CN" altLang="en-US" smtClean="0"/>
-              <a:t>2018/3/9</a:t>
+              <a:t>2018/6/19</a:t>
             </a:fld>
             <a:endParaRPr lang="zh-CN" altLang="en-US"/>
           </a:p>
@@ -767,7 +770,7 @@
           <a:p>
             <a:fld id="{3D932DE8-77F5-40C0-A991-CDEB8A70D86E}" type="datetimeFigureOut">
               <a:rPr lang="zh-CN" altLang="en-US" smtClean="0"/>
-              <a:t>2018/3/9</a:t>
+              <a:t>2018/6/19</a:t>
             </a:fld>
             <a:endParaRPr lang="zh-CN" altLang="en-US"/>
           </a:p>
@@ -1013,7 +1016,7 @@
           <a:p>
             <a:fld id="{3D932DE8-77F5-40C0-A991-CDEB8A70D86E}" type="datetimeFigureOut">
               <a:rPr lang="zh-CN" altLang="en-US" smtClean="0"/>
-              <a:t>2018/3/9</a:t>
+              <a:t>2018/6/19</a:t>
             </a:fld>
             <a:endParaRPr lang="zh-CN" altLang="en-US"/>
           </a:p>
@@ -1245,7 +1248,7 @@
           <a:p>
             <a:fld id="{3D932DE8-77F5-40C0-A991-CDEB8A70D86E}" type="datetimeFigureOut">
               <a:rPr lang="zh-CN" altLang="en-US" smtClean="0"/>
-              <a:t>2018/3/9</a:t>
+              <a:t>2018/6/19</a:t>
             </a:fld>
             <a:endParaRPr lang="zh-CN" altLang="en-US"/>
           </a:p>
@@ -1612,7 +1615,7 @@
           <a:p>
             <a:fld id="{3D932DE8-77F5-40C0-A991-CDEB8A70D86E}" type="datetimeFigureOut">
               <a:rPr lang="zh-CN" altLang="en-US" smtClean="0"/>
-              <a:t>2018/3/9</a:t>
+              <a:t>2018/6/19</a:t>
             </a:fld>
             <a:endParaRPr lang="zh-CN" altLang="en-US"/>
           </a:p>
@@ -1730,7 +1733,7 @@
           <a:p>
             <a:fld id="{3D932DE8-77F5-40C0-A991-CDEB8A70D86E}" type="datetimeFigureOut">
               <a:rPr lang="zh-CN" altLang="en-US" smtClean="0"/>
-              <a:t>2018/3/9</a:t>
+              <a:t>2018/6/19</a:t>
             </a:fld>
             <a:endParaRPr lang="zh-CN" altLang="en-US"/>
           </a:p>
@@ -1825,7 +1828,7 @@
           <a:p>
             <a:fld id="{3D932DE8-77F5-40C0-A991-CDEB8A70D86E}" type="datetimeFigureOut">
               <a:rPr lang="zh-CN" altLang="en-US" smtClean="0"/>
-              <a:t>2018/3/9</a:t>
+              <a:t>2018/6/19</a:t>
             </a:fld>
             <a:endParaRPr lang="zh-CN" altLang="en-US"/>
           </a:p>
@@ -2102,7 +2105,7 @@
           <a:p>
             <a:fld id="{3D932DE8-77F5-40C0-A991-CDEB8A70D86E}" type="datetimeFigureOut">
               <a:rPr lang="zh-CN" altLang="en-US" smtClean="0"/>
-              <a:t>2018/3/9</a:t>
+              <a:t>2018/6/19</a:t>
             </a:fld>
             <a:endParaRPr lang="zh-CN" altLang="en-US"/>
           </a:p>
@@ -2355,7 +2358,7 @@
           <a:p>
             <a:fld id="{3D932DE8-77F5-40C0-A991-CDEB8A70D86E}" type="datetimeFigureOut">
               <a:rPr lang="zh-CN" altLang="en-US" smtClean="0"/>
-              <a:t>2018/3/9</a:t>
+              <a:t>2018/6/19</a:t>
             </a:fld>
             <a:endParaRPr lang="zh-CN" altLang="en-US"/>
           </a:p>
@@ -2568,7 +2571,7 @@
           <a:p>
             <a:fld id="{3D932DE8-77F5-40C0-A991-CDEB8A70D86E}" type="datetimeFigureOut">
               <a:rPr lang="zh-CN" altLang="en-US" smtClean="0"/>
-              <a:t>2018/3/9</a:t>
+              <a:t>2018/6/19</a:t>
             </a:fld>
             <a:endParaRPr lang="zh-CN" altLang="en-US"/>
           </a:p>
@@ -2990,11 +2993,7 @@
           <a:p>
             <a:r>
               <a:rPr lang="zh-CN" altLang="en-US" dirty="0" smtClean="0"/>
-              <a:t>区</a:t>
-            </a:r>
-            <a:r>
-              <a:rPr lang="zh-CN" altLang="en-US" dirty="0" smtClean="0"/>
-              <a:t>块链（</a:t>
+              <a:t>区块链（</a:t>
             </a:r>
             <a:r>
               <a:rPr lang="en-US" altLang="zh-CN" dirty="0" err="1" smtClean="0"/>
@@ -3931,6 +3930,255 @@
 </p:sld>
 </file>
 
+<file path=ppt/slides/slide6.xml><?xml version="1.0" encoding="utf-8"?>
+<p:sld xmlns:a="http://schemas.openxmlformats.org/drawingml/2006/main" xmlns:r="http://schemas.openxmlformats.org/officeDocument/2006/relationships" xmlns:p="http://schemas.openxmlformats.org/presentationml/2006/main">
+  <p:cSld>
+    <p:spTree>
+      <p:nvGrpSpPr>
+        <p:cNvPr id="1" name=""/>
+        <p:cNvGrpSpPr/>
+        <p:nvPr/>
+      </p:nvGrpSpPr>
+      <p:grpSpPr>
+        <a:xfrm>
+          <a:off x="0" y="0"/>
+          <a:ext cx="0" cy="0"/>
+          <a:chOff x="0" y="0"/>
+          <a:chExt cx="0" cy="0"/>
+        </a:xfrm>
+      </p:grpSpPr>
+      <p:sp>
+        <p:nvSpPr>
+          <p:cNvPr id="2" name="标题 1"/>
+          <p:cNvSpPr>
+            <a:spLocks noGrp="1"/>
+          </p:cNvSpPr>
+          <p:nvPr>
+            <p:ph type="title"/>
+          </p:nvPr>
+        </p:nvSpPr>
+        <p:spPr/>
+        <p:txBody>
+          <a:bodyPr/>
+          <a:lstStyle/>
+          <a:p>
+            <a:r>
+              <a:rPr lang="zh-CN" altLang="en-US" dirty="0" smtClean="0"/>
+              <a:t>什么是区块链</a:t>
+            </a:r>
+            <a:endParaRPr lang="zh-CN" altLang="en-US" dirty="0"/>
+          </a:p>
+        </p:txBody>
+      </p:sp>
+      <p:sp>
+        <p:nvSpPr>
+          <p:cNvPr id="3" name="内容占位符 2"/>
+          <p:cNvSpPr>
+            <a:spLocks noGrp="1"/>
+          </p:cNvSpPr>
+          <p:nvPr>
+            <p:ph idx="1"/>
+          </p:nvPr>
+        </p:nvSpPr>
+        <p:spPr/>
+        <p:txBody>
+          <a:bodyPr/>
+          <a:lstStyle/>
+          <a:p>
+            <a:r>
+              <a:rPr lang="zh-CN" altLang="en-US" dirty="0" smtClean="0"/>
+              <a:t>是指一种全民参与记帐的方式。</a:t>
+            </a:r>
+            <a:endParaRPr lang="en-US" altLang="zh-CN" dirty="0" smtClean="0"/>
+          </a:p>
+          <a:p>
+            <a:r>
+              <a:rPr lang="zh-CN" altLang="en-US" dirty="0" smtClean="0"/>
+              <a:t>所有系统的背后都有一个数据库，可以把数据库看成一个大帐本。</a:t>
+            </a:r>
+            <a:endParaRPr lang="en-US" altLang="zh-CN" dirty="0" smtClean="0"/>
+          </a:p>
+          <a:p>
+            <a:r>
+              <a:rPr lang="zh-CN" altLang="en-US" dirty="0" smtClean="0"/>
+              <a:t>那么谁来记这个帐本就变得很重要。目前是谁的系统谁来记帐，微信的账本腾讯在记，淘宝的帐本阿里在记</a:t>
+            </a:r>
+            <a:endParaRPr lang="en-US" altLang="zh-CN" dirty="0" smtClean="0"/>
+          </a:p>
+          <a:p>
+            <a:r>
+              <a:rPr lang="zh-CN" altLang="en-US" dirty="0" smtClean="0"/>
+              <a:t>但是在区块链的系统中的每个人都有机会参与记帐。在一定时间段内如果有任何数据变化，系统中每个人都可以来记帐，系统会评判这段时间内记帐最快最好的人，把它记录的内容写到帐本，并将这段时间内帐本内容发给系统内所有人进行备份。这样系统中的每个人都有了一本完整的帐本。这种方式称为区块链技术</a:t>
+            </a:r>
+            <a:endParaRPr lang="zh-CN" altLang="en-US" dirty="0"/>
+          </a:p>
+        </p:txBody>
+      </p:sp>
+    </p:spTree>
+    <p:extLst>
+      <p:ext uri="{BB962C8B-B14F-4D97-AF65-F5344CB8AC3E}">
+        <p14:creationId xmlns:p14="http://schemas.microsoft.com/office/powerpoint/2010/main" val="2018704976"/>
+      </p:ext>
+    </p:extLst>
+  </p:cSld>
+  <p:clrMapOvr>
+    <a:masterClrMapping/>
+  </p:clrMapOvr>
+</p:sld>
+</file>
+
+<file path=ppt/slides/slide7.xml><?xml version="1.0" encoding="utf-8"?>
+<p:sld xmlns:a="http://schemas.openxmlformats.org/drawingml/2006/main" xmlns:r="http://schemas.openxmlformats.org/officeDocument/2006/relationships" xmlns:p="http://schemas.openxmlformats.org/presentationml/2006/main">
+  <p:cSld>
+    <p:spTree>
+      <p:nvGrpSpPr>
+        <p:cNvPr id="1" name=""/>
+        <p:cNvGrpSpPr/>
+        <p:nvPr/>
+      </p:nvGrpSpPr>
+      <p:grpSpPr>
+        <a:xfrm>
+          <a:off x="0" y="0"/>
+          <a:ext cx="0" cy="0"/>
+          <a:chOff x="0" y="0"/>
+          <a:chExt cx="0" cy="0"/>
+        </a:xfrm>
+      </p:grpSpPr>
+      <p:sp>
+        <p:nvSpPr>
+          <p:cNvPr id="2" name="标题 1"/>
+          <p:cNvSpPr>
+            <a:spLocks noGrp="1"/>
+          </p:cNvSpPr>
+          <p:nvPr>
+            <p:ph type="title"/>
+          </p:nvPr>
+        </p:nvSpPr>
+        <p:spPr/>
+        <p:txBody>
+          <a:bodyPr/>
+          <a:lstStyle/>
+          <a:p>
+            <a:r>
+              <a:rPr lang="zh-CN" altLang="en-US" dirty="0" smtClean="0"/>
+              <a:t>区块链解决什么问题</a:t>
+            </a:r>
+            <a:endParaRPr lang="zh-CN" altLang="en-US" dirty="0"/>
+          </a:p>
+        </p:txBody>
+      </p:sp>
+      <p:sp>
+        <p:nvSpPr>
+          <p:cNvPr id="3" name="内容占位符 2"/>
+          <p:cNvSpPr>
+            <a:spLocks noGrp="1"/>
+          </p:cNvSpPr>
+          <p:nvPr>
+            <p:ph idx="1"/>
+          </p:nvPr>
+        </p:nvSpPr>
+        <p:spPr/>
+        <p:txBody>
+          <a:bodyPr/>
+          <a:lstStyle/>
+          <a:p>
+            <a:r>
+              <a:rPr lang="zh-CN" altLang="en-US" dirty="0" smtClean="0"/>
+              <a:t>中介信用问题，在过去两个互不认识和信任的人要达成协议是很难的，必须要依靠第三方。比如支付行为，在过去任何一种转账必须要有银行或者支付宝这样的机构存在。但是通过区块链技术，可以完成双方可以互信的转账行为</a:t>
+            </a:r>
+            <a:endParaRPr lang="zh-CN" altLang="en-US" dirty="0"/>
+          </a:p>
+        </p:txBody>
+      </p:sp>
+    </p:spTree>
+    <p:extLst>
+      <p:ext uri="{BB962C8B-B14F-4D97-AF65-F5344CB8AC3E}">
+        <p14:creationId xmlns:p14="http://schemas.microsoft.com/office/powerpoint/2010/main" val="3217825107"/>
+      </p:ext>
+    </p:extLst>
+  </p:cSld>
+  <p:clrMapOvr>
+    <a:masterClrMapping/>
+  </p:clrMapOvr>
+</p:sld>
+</file>
+
+<file path=ppt/slides/slide8.xml><?xml version="1.0" encoding="utf-8"?>
+<p:sld xmlns:a="http://schemas.openxmlformats.org/drawingml/2006/main" xmlns:r="http://schemas.openxmlformats.org/officeDocument/2006/relationships" xmlns:p="http://schemas.openxmlformats.org/presentationml/2006/main">
+  <p:cSld>
+    <p:spTree>
+      <p:nvGrpSpPr>
+        <p:cNvPr id="1" name=""/>
+        <p:cNvGrpSpPr/>
+        <p:nvPr/>
+      </p:nvGrpSpPr>
+      <p:grpSpPr>
+        <a:xfrm>
+          <a:off x="0" y="0"/>
+          <a:ext cx="0" cy="0"/>
+          <a:chOff x="0" y="0"/>
+          <a:chExt cx="0" cy="0"/>
+        </a:xfrm>
+      </p:grpSpPr>
+      <p:sp>
+        <p:nvSpPr>
+          <p:cNvPr id="2" name="标题 1"/>
+          <p:cNvSpPr>
+            <a:spLocks noGrp="1"/>
+          </p:cNvSpPr>
+          <p:nvPr>
+            <p:ph type="title"/>
+          </p:nvPr>
+        </p:nvSpPr>
+        <p:spPr/>
+        <p:txBody>
+          <a:bodyPr/>
+          <a:lstStyle/>
+          <a:p>
+            <a:r>
+              <a:rPr lang="zh-CN" altLang="en-US" dirty="0" smtClean="0"/>
+              <a:t>区块链技术可以用在哪些行业</a:t>
+            </a:r>
+            <a:endParaRPr lang="zh-CN" altLang="en-US" dirty="0"/>
+          </a:p>
+        </p:txBody>
+      </p:sp>
+      <p:sp>
+        <p:nvSpPr>
+          <p:cNvPr id="3" name="内容占位符 2"/>
+          <p:cNvSpPr>
+            <a:spLocks noGrp="1"/>
+          </p:cNvSpPr>
+          <p:nvPr>
+            <p:ph idx="1"/>
+          </p:nvPr>
+        </p:nvSpPr>
+        <p:spPr/>
+        <p:txBody>
+          <a:bodyPr/>
+          <a:lstStyle/>
+          <a:p>
+            <a:r>
+              <a:rPr lang="zh-CN" altLang="en-US" dirty="0" smtClean="0"/>
+              <a:t>区块链主要优势是无需中介参与、过程高效透明且成本低、数据高度安全。所以如果在这三个方面有任意一个需求的行业都有机会使用区块链技术</a:t>
+            </a:r>
+            <a:endParaRPr lang="zh-CN" altLang="en-US" dirty="0"/>
+          </a:p>
+        </p:txBody>
+      </p:sp>
+    </p:spTree>
+    <p:extLst>
+      <p:ext uri="{BB962C8B-B14F-4D97-AF65-F5344CB8AC3E}">
+        <p14:creationId xmlns:p14="http://schemas.microsoft.com/office/powerpoint/2010/main" val="1924022410"/>
+      </p:ext>
+    </p:extLst>
+  </p:cSld>
+  <p:clrMapOvr>
+    <a:masterClrMapping/>
+  </p:clrMapOvr>
+</p:sld>
+</file>
+
 <file path=ppt/theme/theme1.xml><?xml version="1.0" encoding="utf-8"?>
 <a:theme xmlns:a="http://schemas.openxmlformats.org/drawingml/2006/main" name="Office 主题">
   <a:themeElements>
